--- a/AAS 2017/Alphapower_Poster_v2.pptx
+++ b/AAS 2017/Alphapower_Poster_v2.pptx
@@ -140,15 +140,6 @@
 
 <file path=ppt/comments/comment1.xml><?xml version="1.0" encoding="utf-8"?>
 <p:cmLst xmlns:a="http://schemas.openxmlformats.org/drawingml/2006/main" xmlns:r="http://schemas.openxmlformats.org/officeDocument/2006/relationships" xmlns:p="http://schemas.openxmlformats.org/presentationml/2006/main">
-  <p:cm authorId="2" dt="2017-02-10T23:05:14.238" idx="3">
-    <p:pos x="17318" y="5911"/>
-    <p:text>Is the legend flipped? This shows that eyes open had bigger alpha power but it's the opposite.</p:text>
-    <p:extLst>
-      <p:ext uri="{C676402C-5697-4E1C-873F-D02D1690AC5C}">
-        <p15:threadingInfo xmlns:p15="http://schemas.microsoft.com/office/powerpoint/2012/main" timeZoneBias="480"/>
-      </p:ext>
-    </p:extLst>
-  </p:cm>
   <p:cm authorId="2" dt="2017-02-11T14:02:18.219" idx="5">
     <p:pos x="11896" y="9984"/>
     <p:text>This says Occipital Channels (more than one channel? )  if so, what channels.
@@ -4592,11 +4583,7 @@
             </a:r>
             <a:r>
               <a:rPr lang="en-US" dirty="0"/>
-              <a:t>β, A., </a:t>
-            </a:r>
-            <a:r>
-              <a:rPr lang="en-US" dirty="0"/>
-              <a:t>Wöstmann,M., &amp; Obleser, J. (2014). Cortical alpha oscillations as a tool for auditory selective inhibition. </a:t>
+              <a:t>β, A., Wöstmann,M., &amp; Obleser, J. (2014). Cortical alpha oscillations as a tool for auditory selective inhibition. </a:t>
             </a:r>
             <a:r>
               <a:rPr lang="en-US" i="1" dirty="0"/>
@@ -4769,8 +4756,8 @@
         </p:nvSpPr>
         <p:spPr>
           <a:xfrm>
-            <a:off x="18906537" y="8557141"/>
-            <a:ext cx="6836229" cy="877346"/>
+            <a:off x="18925190" y="8557868"/>
+            <a:ext cx="6836229" cy="698616"/>
           </a:xfrm>
         </p:spPr>
         <p:txBody>
@@ -4784,13 +4771,8 @@
             </a:pPr>
             <a:r>
               <a:rPr lang="en-US" sz="3600" dirty="0"/>
-              <a:t>FFT – occipital channels: </a:t>
-            </a:r>
-            <a:r>
-              <a:rPr lang="en-US" sz="3600" dirty="0"/>
-              <a:t>OZ,O1,O2,POZ,PO3,PO4</a:t>
-            </a:r>
-            <a:endParaRPr lang="en-US" sz="3600" dirty="0"/>
+              <a:t>FFT – occipital channels: OZ,O1,O2,POZ,PO3,PO4</a:t>
+            </a:r>
           </a:p>
         </p:txBody>
       </p:sp>
@@ -4821,13 +4803,8 @@
             </a:pPr>
             <a:r>
               <a:rPr lang="en-US" dirty="0"/>
-              <a:t>Time frequency averaged across occipital channels: </a:t>
-            </a:r>
-            <a:r>
-              <a:rPr lang="en-US" dirty="0"/>
-              <a:t>OZ,O1,O2,POZ,PO3,PO4</a:t>
-            </a:r>
-            <a:endParaRPr lang="en-US" dirty="0"/>
+              <a:t>Time frequency averaged across occipital channels: OZ,O1,O2,POZ,PO3,PO4</a:t>
+            </a:r>
           </a:p>
         </p:txBody>
       </p:sp>
@@ -5101,10 +5078,10 @@
           </p:nvGrpSpPr>
           <p:grpSpPr>
             <a:xfrm>
-              <a:off x="7131645" y="27500912"/>
-              <a:ext cx="2160705" cy="2041248"/>
+              <a:off x="7131644" y="27500912"/>
+              <a:ext cx="2156488" cy="2041248"/>
               <a:chOff x="6534132" y="26786855"/>
-              <a:chExt cx="2502122" cy="2363789"/>
+              <a:chExt cx="2497239" cy="2363789"/>
             </a:xfrm>
           </p:grpSpPr>
           <p:grpSp>
@@ -5115,10 +5092,10 @@
             </p:nvGrpSpPr>
             <p:grpSpPr>
               <a:xfrm>
-                <a:off x="6534132" y="27638209"/>
-                <a:ext cx="2502122" cy="635332"/>
-                <a:chOff x="1153551" y="321274"/>
-                <a:chExt cx="5369177" cy="1229132"/>
+                <a:off x="6534132" y="27467564"/>
+                <a:ext cx="2495255" cy="973437"/>
+                <a:chOff x="1153551" y="-8860"/>
+                <a:chExt cx="5354441" cy="1883241"/>
               </a:xfrm>
             </p:grpSpPr>
             <p:pic>
@@ -5137,8 +5114,8 @@
               </p:blipFill>
               <p:spPr>
                 <a:xfrm>
-                  <a:off x="3114413" y="321274"/>
-                  <a:ext cx="3408315" cy="1229132"/>
+                  <a:off x="3099677" y="-8860"/>
+                  <a:ext cx="3408315" cy="1883241"/>
                 </a:xfrm>
                 <a:prstGeom prst="rect">
                   <a:avLst/>
@@ -6117,81 +6094,6 @@
       </p:grpSp>
       <p:grpSp>
         <p:nvGrpSpPr>
-          <p:cNvPr id="5" name="Group 4"/>
-          <p:cNvGrpSpPr/>
-          <p:nvPr/>
-        </p:nvGrpSpPr>
-        <p:grpSpPr>
-          <a:xfrm>
-            <a:off x="16161122" y="9306731"/>
-            <a:ext cx="12981672" cy="5524500"/>
-            <a:chOff x="16161122" y="9966960"/>
-            <a:chExt cx="12981672" cy="5524500"/>
-          </a:xfrm>
-        </p:grpSpPr>
-        <p:pic>
-          <p:nvPicPr>
-            <p:cNvPr id="17" name="Picture 16"/>
-            <p:cNvPicPr>
-              <a:picLocks noChangeAspect="1"/>
-            </p:cNvPicPr>
-            <p:nvPr/>
-          </p:nvPicPr>
-          <p:blipFill>
-            <a:blip r:embed="rId23">
-              <a:extLst>
-                <a:ext uri="{28A0092B-C50C-407E-A947-70E740481C1C}">
-                  <a14:useLocalDpi xmlns:a14="http://schemas.microsoft.com/office/drawing/2010/main" val="0"/>
-                </a:ext>
-              </a:extLst>
-            </a:blip>
-            <a:stretch>
-              <a:fillRect/>
-            </a:stretch>
-          </p:blipFill>
-          <p:spPr>
-            <a:xfrm>
-              <a:off x="16161122" y="9966960"/>
-              <a:ext cx="6762750" cy="5524500"/>
-            </a:xfrm>
-            <a:prstGeom prst="rect">
-              <a:avLst/>
-            </a:prstGeom>
-          </p:spPr>
-        </p:pic>
-        <p:pic>
-          <p:nvPicPr>
-            <p:cNvPr id="24" name="Picture 23"/>
-            <p:cNvPicPr>
-              <a:picLocks noChangeAspect="1"/>
-            </p:cNvPicPr>
-            <p:nvPr/>
-          </p:nvPicPr>
-          <p:blipFill>
-            <a:blip r:embed="rId24">
-              <a:extLst>
-                <a:ext uri="{28A0092B-C50C-407E-A947-70E740481C1C}">
-                  <a14:useLocalDpi xmlns:a14="http://schemas.microsoft.com/office/drawing/2010/main" val="0"/>
-                </a:ext>
-              </a:extLst>
-            </a:blip>
-            <a:stretch>
-              <a:fillRect/>
-            </a:stretch>
-          </p:blipFill>
-          <p:spPr>
-            <a:xfrm>
-              <a:off x="22380044" y="9966960"/>
-              <a:ext cx="6762750" cy="5524500"/>
-            </a:xfrm>
-            <a:prstGeom prst="rect">
-              <a:avLst/>
-            </a:prstGeom>
-          </p:spPr>
-        </p:pic>
-      </p:grpSp>
-      <p:grpSp>
-        <p:nvGrpSpPr>
           <p:cNvPr id="9" name="Group 8"/>
           <p:cNvGrpSpPr/>
           <p:nvPr/>
@@ -6213,7 +6115,7 @@
             <p:nvPr/>
           </p:nvPicPr>
           <p:blipFill rotWithShape="1">
-            <a:blip r:embed="rId25">
+            <a:blip r:embed="rId23">
               <a:extLst>
                 <a:ext uri="{28A0092B-C50C-407E-A947-70E740481C1C}">
                   <a14:useLocalDpi xmlns:a14="http://schemas.microsoft.com/office/drawing/2010/main" val="0"/>
@@ -6242,7 +6144,7 @@
             <p:nvPr/>
           </p:nvPicPr>
           <p:blipFill>
-            <a:blip r:embed="rId26">
+            <a:blip r:embed="rId24">
               <a:extLst>
                 <a:ext uri="{28A0092B-C50C-407E-A947-70E740481C1C}">
                   <a14:useLocalDpi xmlns:a14="http://schemas.microsoft.com/office/drawing/2010/main" val="0"/>
@@ -6976,7 +6878,7 @@
         </p:nvSpPr>
         <p:spPr>
           <a:xfrm>
-            <a:off x="17099280" y="14592137"/>
+            <a:off x="17099280" y="14692808"/>
             <a:ext cx="11413450" cy="723704"/>
           </a:xfrm>
         </p:spPr>
@@ -7224,7 +7126,7 @@
           <p:nvPr/>
         </p:nvPicPr>
         <p:blipFill>
-          <a:blip r:embed="rId27"/>
+          <a:blip r:embed="rId25"/>
           <a:stretch>
             <a:fillRect/>
           </a:stretch>
@@ -7239,6 +7141,120 @@
           </a:prstGeom>
         </p:spPr>
       </p:pic>
+      <p:grpSp>
+        <p:nvGrpSpPr>
+          <p:cNvPr id="18" name="Group 17"/>
+          <p:cNvGrpSpPr/>
+          <p:nvPr/>
+        </p:nvGrpSpPr>
+        <p:grpSpPr>
+          <a:xfrm>
+            <a:off x="16161122" y="9306731"/>
+            <a:ext cx="12981672" cy="5524500"/>
+            <a:chOff x="16161122" y="9306731"/>
+            <a:chExt cx="12981672" cy="5524500"/>
+          </a:xfrm>
+        </p:grpSpPr>
+        <p:grpSp>
+          <p:nvGrpSpPr>
+            <p:cNvPr id="5" name="Group 4"/>
+            <p:cNvGrpSpPr/>
+            <p:nvPr/>
+          </p:nvGrpSpPr>
+          <p:grpSpPr>
+            <a:xfrm>
+              <a:off x="16161122" y="9306731"/>
+              <a:ext cx="12981672" cy="5524500"/>
+              <a:chOff x="16161122" y="9966960"/>
+              <a:chExt cx="12981672" cy="5524500"/>
+            </a:xfrm>
+          </p:grpSpPr>
+          <p:pic>
+            <p:nvPicPr>
+              <p:cNvPr id="17" name="Picture 16"/>
+              <p:cNvPicPr>
+                <a:picLocks noChangeAspect="1"/>
+              </p:cNvPicPr>
+              <p:nvPr/>
+            </p:nvPicPr>
+            <p:blipFill>
+              <a:blip r:embed="rId26">
+                <a:extLst>
+                  <a:ext uri="{28A0092B-C50C-407E-A947-70E740481C1C}">
+                    <a14:useLocalDpi xmlns:a14="http://schemas.microsoft.com/office/drawing/2010/main" val="0"/>
+                  </a:ext>
+                </a:extLst>
+              </a:blip>
+              <a:stretch>
+                <a:fillRect/>
+              </a:stretch>
+            </p:blipFill>
+            <p:spPr>
+              <a:xfrm>
+                <a:off x="16161122" y="9966960"/>
+                <a:ext cx="6762750" cy="5524500"/>
+              </a:xfrm>
+              <a:prstGeom prst="rect">
+                <a:avLst/>
+              </a:prstGeom>
+            </p:spPr>
+          </p:pic>
+          <p:pic>
+            <p:nvPicPr>
+              <p:cNvPr id="24" name="Picture 23"/>
+              <p:cNvPicPr>
+                <a:picLocks noChangeAspect="1"/>
+              </p:cNvPicPr>
+              <p:nvPr/>
+            </p:nvPicPr>
+            <p:blipFill>
+              <a:blip r:embed="rId27">
+                <a:extLst>
+                  <a:ext uri="{28A0092B-C50C-407E-A947-70E740481C1C}">
+                    <a14:useLocalDpi xmlns:a14="http://schemas.microsoft.com/office/drawing/2010/main" val="0"/>
+                  </a:ext>
+                </a:extLst>
+              </a:blip>
+              <a:stretch>
+                <a:fillRect/>
+              </a:stretch>
+            </p:blipFill>
+            <p:spPr>
+              <a:xfrm>
+                <a:off x="22380044" y="9966960"/>
+                <a:ext cx="6762750" cy="5524500"/>
+              </a:xfrm>
+              <a:prstGeom prst="rect">
+                <a:avLst/>
+              </a:prstGeom>
+            </p:spPr>
+          </p:pic>
+        </p:grpSp>
+        <p:pic>
+          <p:nvPicPr>
+            <p:cNvPr id="6" name="Picture 5"/>
+            <p:cNvPicPr>
+              <a:picLocks noChangeAspect="1"/>
+            </p:cNvPicPr>
+            <p:nvPr/>
+          </p:nvPicPr>
+          <p:blipFill>
+            <a:blip r:embed="rId28"/>
+            <a:stretch>
+              <a:fillRect/>
+            </a:stretch>
+          </p:blipFill>
+          <p:spPr>
+            <a:xfrm>
+              <a:off x="27327225" y="9801705"/>
+              <a:ext cx="1185505" cy="440330"/>
+            </a:xfrm>
+            <a:prstGeom prst="rect">
+              <a:avLst/>
+            </a:prstGeom>
+          </p:spPr>
+        </p:pic>
+      </p:grpSp>
     </p:spTree>
     <p:extLst>
       <p:ext uri="{BB962C8B-B14F-4D97-AF65-F5344CB8AC3E}">

--- a/AAS 2017/Alphapower_Poster_v2.pptx
+++ b/AAS 2017/Alphapower_Poster_v2.pptx
@@ -5041,7 +5041,7 @@
         </p:nvSpPr>
         <p:spPr>
           <a:xfrm>
-            <a:off x="30715384" y="5851467"/>
+            <a:off x="30669664" y="5913120"/>
             <a:ext cx="12801600" cy="1219200"/>
           </a:xfrm>
         </p:spPr>
@@ -6175,7 +6175,7 @@
           <p:nvPr>
             <p:extLst>
               <p:ext uri="{D42A27DB-BD31-4B8C-83A1-F6EECF244321}">
-                <p14:modId xmlns:p14="http://schemas.microsoft.com/office/powerpoint/2010/main" val="1589880495"/>
+                <p14:modId xmlns:p14="http://schemas.microsoft.com/office/powerpoint/2010/main" val="1014178975"/>
               </p:ext>
             </p:extLst>
           </p:nvPr>
@@ -6194,28 +6194,28 @@
                 <a:gridCol w="3174075">
                   <a:extLst>
                     <a:ext uri="{9D8B030D-6E8A-4147-A177-3AD203B41FA5}">
-                      <a16:colId xmlns:a16="http://schemas.microsoft.com/office/drawing/2014/main" val="3632308337"/>
+                      <a16:colId xmlns:a16="http://schemas.microsoft.com/office/drawing/2014/main" xmlns="" val="3632308337"/>
                     </a:ext>
                   </a:extLst>
                 </a:gridCol>
                 <a:gridCol w="3174075">
                   <a:extLst>
                     <a:ext uri="{9D8B030D-6E8A-4147-A177-3AD203B41FA5}">
-                      <a16:colId xmlns:a16="http://schemas.microsoft.com/office/drawing/2014/main" val="3161482999"/>
+                      <a16:colId xmlns:a16="http://schemas.microsoft.com/office/drawing/2014/main" xmlns="" val="3161482999"/>
                     </a:ext>
                   </a:extLst>
                 </a:gridCol>
                 <a:gridCol w="3174075">
                   <a:extLst>
                     <a:ext uri="{9D8B030D-6E8A-4147-A177-3AD203B41FA5}">
-                      <a16:colId xmlns:a16="http://schemas.microsoft.com/office/drawing/2014/main" val="1464763851"/>
+                      <a16:colId xmlns:a16="http://schemas.microsoft.com/office/drawing/2014/main" xmlns="" val="1464763851"/>
                     </a:ext>
                   </a:extLst>
                 </a:gridCol>
                 <a:gridCol w="3174075">
                   <a:extLst>
                     <a:ext uri="{9D8B030D-6E8A-4147-A177-3AD203B41FA5}">
-                      <a16:colId xmlns:a16="http://schemas.microsoft.com/office/drawing/2014/main" val="1517804166"/>
+                      <a16:colId xmlns:a16="http://schemas.microsoft.com/office/drawing/2014/main" xmlns="" val="1517804166"/>
                     </a:ext>
                   </a:extLst>
                 </a:gridCol>
@@ -6292,7 +6292,7 @@
                 </a:tc>
                 <a:extLst>
                   <a:ext uri="{0D108BD9-81ED-4DB2-BD59-A6C34878D82A}">
-                    <a16:rowId xmlns:a16="http://schemas.microsoft.com/office/drawing/2014/main" val="559417239"/>
+                    <a16:rowId xmlns:a16="http://schemas.microsoft.com/office/drawing/2014/main" xmlns="" val="559417239"/>
                   </a:ext>
                 </a:extLst>
               </a:tr>
@@ -6319,8 +6319,13 @@
                       <a:pPr algn="ctr"/>
                       <a:r>
                         <a:rPr lang="en-US" sz="4000" dirty="0"/>
-                        <a:t>-39.7</a:t>
+                        <a:t>-</a:t>
                       </a:r>
+                      <a:r>
+                        <a:rPr lang="en-US" sz="4000" dirty="0" smtClean="0"/>
+                        <a:t>30.6</a:t>
+                      </a:r>
+                      <a:endParaRPr lang="en-US" sz="4000" dirty="0"/>
                     </a:p>
                   </a:txBody>
                   <a:tcPr marL="39676" marR="39676" marT="19838" marB="19838"/>
@@ -6332,9 +6337,10 @@
                     <a:p>
                       <a:pPr algn="ctr"/>
                       <a:r>
-                        <a:rPr lang="en-US" sz="4000" dirty="0"/>
-                        <a:t>12.6</a:t>
+                        <a:rPr lang="en-US" sz="4000" dirty="0" smtClean="0"/>
+                        <a:t>8.4</a:t>
                       </a:r>
+                      <a:endParaRPr lang="en-US" sz="4000" dirty="0"/>
                     </a:p>
                   </a:txBody>
                   <a:tcPr marL="39676" marR="39676" marT="19838" marB="19838"/>
@@ -6346,16 +6352,17 @@
                     <a:p>
                       <a:pPr algn="ctr"/>
                       <a:r>
-                        <a:rPr lang="en-US" sz="4000" dirty="0"/>
-                        <a:t>0.008**</a:t>
+                        <a:rPr lang="en-US" sz="4000" dirty="0" smtClean="0"/>
+                        <a:t>0.003**</a:t>
                       </a:r>
+                      <a:endParaRPr lang="en-US" sz="4000" dirty="0"/>
                     </a:p>
                   </a:txBody>
                   <a:tcPr marL="39676" marR="39676" marT="19838" marB="19838"/>
                 </a:tc>
                 <a:extLst>
                   <a:ext uri="{0D108BD9-81ED-4DB2-BD59-A6C34878D82A}">
-                    <a16:rowId xmlns:a16="http://schemas.microsoft.com/office/drawing/2014/main" val="2181573276"/>
+                    <a16:rowId xmlns:a16="http://schemas.microsoft.com/office/drawing/2014/main" xmlns="" val="2181573276"/>
                   </a:ext>
                 </a:extLst>
               </a:tr>
@@ -6381,9 +6388,10 @@
                     <a:p>
                       <a:pPr algn="ctr"/>
                       <a:r>
-                        <a:rPr lang="en-US" sz="4000" dirty="0"/>
-                        <a:t>19.0</a:t>
+                        <a:rPr lang="en-US" sz="4000" dirty="0" smtClean="0"/>
+                        <a:t>11.8</a:t>
                       </a:r>
+                      <a:endParaRPr lang="en-US" sz="4000" dirty="0"/>
                     </a:p>
                   </a:txBody>
                   <a:tcPr marL="39676" marR="39676" marT="19838" marB="19838"/>
@@ -6395,9 +6403,10 @@
                     <a:p>
                       <a:pPr algn="ctr"/>
                       <a:r>
-                        <a:rPr lang="en-US" sz="4000" dirty="0"/>
-                        <a:t>6.4</a:t>
+                        <a:rPr lang="en-US" sz="4000" dirty="0" smtClean="0"/>
+                        <a:t>4.2</a:t>
                       </a:r>
+                      <a:endParaRPr lang="en-US" sz="4000" dirty="0"/>
                     </a:p>
                   </a:txBody>
                   <a:tcPr marL="39676" marR="39676" marT="19838" marB="19838"/>
@@ -6409,16 +6418,17 @@
                     <a:p>
                       <a:pPr algn="ctr"/>
                       <a:r>
-                        <a:rPr lang="en-US" sz="4000" dirty="0"/>
-                        <a:t>0.01*</a:t>
+                        <a:rPr lang="en-US" sz="4000" dirty="0" smtClean="0"/>
+                        <a:t>0.02*</a:t>
                       </a:r>
+                      <a:endParaRPr lang="en-US" sz="4000" dirty="0"/>
                     </a:p>
                   </a:txBody>
                   <a:tcPr marL="39676" marR="39676" marT="19838" marB="19838"/>
                 </a:tc>
                 <a:extLst>
                   <a:ext uri="{0D108BD9-81ED-4DB2-BD59-A6C34878D82A}">
-                    <a16:rowId xmlns:a16="http://schemas.microsoft.com/office/drawing/2014/main" val="1041974949"/>
+                    <a16:rowId xmlns:a16="http://schemas.microsoft.com/office/drawing/2014/main" xmlns="" val="1041974949"/>
                   </a:ext>
                 </a:extLst>
               </a:tr>
@@ -6814,7 +6824,7 @@
         </p:nvSpPr>
         <p:spPr>
           <a:xfrm>
-            <a:off x="20482560" y="25463779"/>
+            <a:off x="20482560" y="25292329"/>
             <a:ext cx="4498209" cy="577290"/>
           </a:xfrm>
         </p:spPr>
@@ -7255,6 +7265,191 @@
           </p:spPr>
         </p:pic>
       </p:grpSp>
+      <p:cxnSp>
+        <p:nvCxnSpPr>
+          <p:cNvPr id="26" name="Straight Connector 25"/>
+          <p:cNvCxnSpPr/>
+          <p:nvPr/>
+        </p:nvCxnSpPr>
+        <p:spPr>
+          <a:xfrm>
+            <a:off x="22827062" y="9306731"/>
+            <a:ext cx="0" cy="4929592"/>
+          </a:xfrm>
+          <a:prstGeom prst="line">
+            <a:avLst/>
+          </a:prstGeom>
+          <a:ln w="50800">
+            <a:solidFill>
+              <a:srgbClr val="030206">
+                <a:alpha val="52941"/>
+              </a:srgbClr>
+            </a:solidFill>
+          </a:ln>
+        </p:spPr>
+        <p:style>
+          <a:lnRef idx="1">
+            <a:schemeClr val="accent1"/>
+          </a:lnRef>
+          <a:fillRef idx="0">
+            <a:schemeClr val="accent1"/>
+          </a:fillRef>
+          <a:effectRef idx="0">
+            <a:schemeClr val="accent1"/>
+          </a:effectRef>
+          <a:fontRef idx="minor">
+            <a:schemeClr val="tx1"/>
+          </a:fontRef>
+        </p:style>
+      </p:cxnSp>
+      <p:cxnSp>
+        <p:nvCxnSpPr>
+          <p:cNvPr id="98" name="Straight Connector 97"/>
+          <p:cNvCxnSpPr/>
+          <p:nvPr/>
+        </p:nvCxnSpPr>
+        <p:spPr>
+          <a:xfrm>
+            <a:off x="22885772" y="16415806"/>
+            <a:ext cx="0" cy="3227501"/>
+          </a:xfrm>
+          <a:prstGeom prst="line">
+            <a:avLst/>
+          </a:prstGeom>
+          <a:ln w="50800">
+            <a:solidFill>
+              <a:srgbClr val="030206">
+                <a:alpha val="52941"/>
+              </a:srgbClr>
+            </a:solidFill>
+          </a:ln>
+        </p:spPr>
+        <p:style>
+          <a:lnRef idx="1">
+            <a:schemeClr val="accent1"/>
+          </a:lnRef>
+          <a:fillRef idx="0">
+            <a:schemeClr val="accent1"/>
+          </a:fillRef>
+          <a:effectRef idx="0">
+            <a:schemeClr val="accent1"/>
+          </a:effectRef>
+          <a:fontRef idx="minor">
+            <a:schemeClr val="tx1"/>
+          </a:fontRef>
+        </p:style>
+      </p:cxnSp>
+      <p:cxnSp>
+        <p:nvCxnSpPr>
+          <p:cNvPr id="100" name="Straight Connector 99"/>
+          <p:cNvCxnSpPr/>
+          <p:nvPr/>
+        </p:nvCxnSpPr>
+        <p:spPr>
+          <a:xfrm>
+            <a:off x="22885772" y="20503639"/>
+            <a:ext cx="0" cy="3227501"/>
+          </a:xfrm>
+          <a:prstGeom prst="line">
+            <a:avLst/>
+          </a:prstGeom>
+          <a:ln w="50800">
+            <a:solidFill>
+              <a:srgbClr val="030206">
+                <a:alpha val="52941"/>
+              </a:srgbClr>
+            </a:solidFill>
+          </a:ln>
+        </p:spPr>
+        <p:style>
+          <a:lnRef idx="1">
+            <a:schemeClr val="accent1"/>
+          </a:lnRef>
+          <a:fillRef idx="0">
+            <a:schemeClr val="accent1"/>
+          </a:fillRef>
+          <a:effectRef idx="0">
+            <a:schemeClr val="accent1"/>
+          </a:effectRef>
+          <a:fontRef idx="minor">
+            <a:schemeClr val="tx1"/>
+          </a:fontRef>
+        </p:style>
+      </p:cxnSp>
+      <p:cxnSp>
+        <p:nvCxnSpPr>
+          <p:cNvPr id="102" name="Straight Connector 101"/>
+          <p:cNvCxnSpPr/>
+          <p:nvPr/>
+        </p:nvCxnSpPr>
+        <p:spPr>
+          <a:xfrm>
+            <a:off x="22919870" y="25836689"/>
+            <a:ext cx="4002" cy="2399409"/>
+          </a:xfrm>
+          <a:prstGeom prst="line">
+            <a:avLst/>
+          </a:prstGeom>
+          <a:ln w="50800">
+            <a:solidFill>
+              <a:srgbClr val="030206">
+                <a:alpha val="52941"/>
+              </a:srgbClr>
+            </a:solidFill>
+          </a:ln>
+        </p:spPr>
+        <p:style>
+          <a:lnRef idx="1">
+            <a:schemeClr val="accent1"/>
+          </a:lnRef>
+          <a:fillRef idx="0">
+            <a:schemeClr val="accent1"/>
+          </a:fillRef>
+          <a:effectRef idx="0">
+            <a:schemeClr val="accent1"/>
+          </a:effectRef>
+          <a:fontRef idx="minor">
+            <a:schemeClr val="tx1"/>
+          </a:fontRef>
+        </p:style>
+      </p:cxnSp>
+      <p:cxnSp>
+        <p:nvCxnSpPr>
+          <p:cNvPr id="106" name="Straight Connector 105"/>
+          <p:cNvCxnSpPr/>
+          <p:nvPr/>
+        </p:nvCxnSpPr>
+        <p:spPr>
+          <a:xfrm>
+            <a:off x="22916958" y="28929349"/>
+            <a:ext cx="0" cy="2039253"/>
+          </a:xfrm>
+          <a:prstGeom prst="line">
+            <a:avLst/>
+          </a:prstGeom>
+          <a:ln w="50800">
+            <a:solidFill>
+              <a:srgbClr val="030206">
+                <a:alpha val="52941"/>
+              </a:srgbClr>
+            </a:solidFill>
+          </a:ln>
+        </p:spPr>
+        <p:style>
+          <a:lnRef idx="1">
+            <a:schemeClr val="accent1"/>
+          </a:lnRef>
+          <a:fillRef idx="0">
+            <a:schemeClr val="accent1"/>
+          </a:fillRef>
+          <a:effectRef idx="0">
+            <a:schemeClr val="accent1"/>
+          </a:effectRef>
+          <a:fontRef idx="minor">
+            <a:schemeClr val="tx1"/>
+          </a:fontRef>
+        </p:style>
+      </p:cxnSp>
     </p:spTree>
     <p:extLst>
       <p:ext uri="{BB962C8B-B14F-4D97-AF65-F5344CB8AC3E}">
